--- a/PyData Array Ideas.pptx
+++ b/PyData Array Ideas.pptx
@@ -3339,8 +3339,8 @@
         </p:nvSpPr>
         <p:spPr>
           <a:xfrm>
-            <a:off x="3954185" y="2220539"/>
-            <a:ext cx="787719" cy="3094825"/>
+            <a:off x="3954185" y="2220540"/>
+            <a:ext cx="787719" cy="3160064"/>
           </a:xfrm>
           <a:prstGeom prst="rect">
             <a:avLst/>
@@ -3515,8 +3515,8 @@
         </p:nvSpPr>
         <p:spPr>
           <a:xfrm>
-            <a:off x="2907126" y="1288777"/>
-            <a:ext cx="2129967" cy="266218"/>
+            <a:off x="2317532" y="1288777"/>
+            <a:ext cx="2948152" cy="266218"/>
           </a:xfrm>
           <a:prstGeom prst="rightArrow">
             <a:avLst/>
@@ -3543,7 +3543,11 @@
           <a:lstStyle/>
           <a:p>
             <a:pPr algn="ctr"/>
-            <a:endParaRPr lang="en-US"/>
+            <a:r>
+              <a:rPr lang="en-US" dirty="0" smtClean="0"/>
+              <a:t>__new__ built from 3 keys</a:t>
+            </a:r>
+            <a:endParaRPr lang="en-US" dirty="0"/>
           </a:p>
         </p:txBody>
       </p:sp>
@@ -3961,8 +3965,8 @@
         </p:nvSpPr>
         <p:spPr>
           <a:xfrm>
-            <a:off x="2907126" y="1712708"/>
-            <a:ext cx="1838058" cy="266218"/>
+            <a:off x="2420007" y="1712708"/>
+            <a:ext cx="2325177" cy="266218"/>
           </a:xfrm>
           <a:prstGeom prst="rightArrow">
             <a:avLst/>
@@ -3989,7 +3993,19 @@
           <a:lstStyle/>
           <a:p>
             <a:pPr algn="ctr"/>
-            <a:endParaRPr lang="en-US"/>
+            <a:r>
+              <a:rPr lang="en-US" dirty="0"/>
+              <a:t>h</a:t>
+            </a:r>
+            <a:r>
+              <a:rPr lang="en-US" dirty="0" smtClean="0"/>
+              <a:t>olds </a:t>
+            </a:r>
+            <a:r>
+              <a:rPr lang="en-US" dirty="0" err="1" smtClean="0"/>
+              <a:t>unique_dict</a:t>
+            </a:r>
+            <a:endParaRPr lang="en-US" dirty="0"/>
           </a:p>
         </p:txBody>
       </p:sp>
@@ -4251,8 +4267,8 @@
         </p:nvSpPr>
         <p:spPr>
           <a:xfrm>
-            <a:off x="2907126" y="2193768"/>
-            <a:ext cx="1030666" cy="266218"/>
+            <a:off x="2213914" y="2193768"/>
+            <a:ext cx="1723878" cy="266218"/>
           </a:xfrm>
           <a:prstGeom prst="rightArrow">
             <a:avLst/>
@@ -4279,7 +4295,11 @@
           <a:lstStyle/>
           <a:p>
             <a:pPr algn="ctr"/>
-            <a:endParaRPr lang="en-US"/>
+            <a:r>
+              <a:rPr lang="en-US" dirty="0" smtClean="0"/>
+              <a:t>holds grouping</a:t>
+            </a:r>
+            <a:endParaRPr lang="en-US" dirty="0"/>
           </a:p>
         </p:txBody>
       </p:sp>
@@ -4291,8 +4311,8 @@
         </p:nvSpPr>
         <p:spPr>
           <a:xfrm>
-            <a:off x="4111276" y="4211086"/>
-            <a:ext cx="1332289" cy="360657"/>
+            <a:off x="4209846" y="4315736"/>
+            <a:ext cx="1272490" cy="360657"/>
           </a:xfrm>
           <a:prstGeom prst="rightArrow">
             <a:avLst/>
@@ -4333,8 +4353,8 @@
         </p:nvSpPr>
         <p:spPr>
           <a:xfrm>
-            <a:off x="4259132" y="4640728"/>
-            <a:ext cx="3013095" cy="360657"/>
+            <a:off x="4205694" y="4978179"/>
+            <a:ext cx="2217354" cy="360657"/>
           </a:xfrm>
           <a:prstGeom prst="rightArrow">
             <a:avLst/>
@@ -4369,14 +4389,14 @@
       </p:sp>
       <p:sp>
         <p:nvSpPr>
-          <p:cNvPr id="30" name="Right Arrow 29"/>
+          <p:cNvPr id="31" name="Right Arrow 30"/>
           <p:cNvSpPr/>
           <p:nvPr/>
         </p:nvSpPr>
         <p:spPr>
           <a:xfrm>
-            <a:off x="4276465" y="4882341"/>
-            <a:ext cx="2351067" cy="360657"/>
+            <a:off x="4209846" y="4682248"/>
+            <a:ext cx="1770845" cy="360657"/>
           </a:xfrm>
           <a:prstGeom prst="rightArrow">
             <a:avLst/>
@@ -4403,49 +4423,7 @@
             <a:pPr algn="ctr"/>
             <a:r>
               <a:rPr lang="en-US" dirty="0" err="1" smtClean="0"/>
-              <a:t>igroupreverse</a:t>
-            </a:r>
-            <a:endParaRPr lang="en-US" dirty="0"/>
-          </a:p>
-        </p:txBody>
-      </p:sp>
-      <p:sp>
-        <p:nvSpPr>
-          <p:cNvPr id="31" name="Right Arrow 30"/>
-          <p:cNvSpPr/>
-          <p:nvPr/>
-        </p:nvSpPr>
-        <p:spPr>
-          <a:xfrm>
-            <a:off x="4259133" y="5122440"/>
-            <a:ext cx="1770845" cy="360657"/>
-          </a:xfrm>
-          <a:prstGeom prst="rightArrow">
-            <a:avLst/>
-          </a:prstGeom>
-        </p:spPr>
-        <p:style>
-          <a:lnRef idx="0">
-            <a:schemeClr val="accent3"/>
-          </a:lnRef>
-          <a:fillRef idx="3">
-            <a:schemeClr val="accent3"/>
-          </a:fillRef>
-          <a:effectRef idx="3">
-            <a:schemeClr val="accent3"/>
-          </a:effectRef>
-          <a:fontRef idx="minor">
-            <a:schemeClr val="lt1"/>
-          </a:fontRef>
-        </p:style>
-        <p:txBody>
-          <a:bodyPr rtlCol="0" anchor="ctr"/>
-          <a:lstStyle/>
-          <a:p>
-            <a:pPr algn="ctr"/>
-            <a:r>
-              <a:rPr lang="en-US" dirty="0" err="1" smtClean="0"/>
-              <a:t>etc</a:t>
+              <a:t>ncountgroup</a:t>
             </a:r>
             <a:endParaRPr lang="en-US" dirty="0"/>
           </a:p>
@@ -4730,7 +4708,7 @@
         </p:nvSpPr>
         <p:spPr>
           <a:xfrm>
-            <a:off x="3240747" y="3957416"/>
+            <a:off x="3193228" y="3050724"/>
             <a:ext cx="538223" cy="2320724"/>
           </a:xfrm>
           <a:prstGeom prst="rect">
@@ -4907,8 +4885,8 @@
         </p:nvSpPr>
         <p:spPr>
           <a:xfrm>
-            <a:off x="2509318" y="4278323"/>
-            <a:ext cx="841116" cy="360657"/>
+            <a:off x="1568141" y="3678432"/>
+            <a:ext cx="1739297" cy="360657"/>
           </a:xfrm>
           <a:prstGeom prst="rightArrow">
             <a:avLst/>
@@ -4936,6 +4914,14 @@
           <a:p>
             <a:pPr algn="ctr"/>
             <a:r>
+              <a:rPr lang="en-US" dirty="0"/>
+              <a:t>i</a:t>
+            </a:r>
+            <a:r>
+              <a:rPr lang="en-US" dirty="0" smtClean="0"/>
+              <a:t>nstance is </a:t>
+            </a:r>
+            <a:r>
               <a:rPr lang="en-US" dirty="0" err="1" smtClean="0"/>
               <a:t>ikey</a:t>
             </a:r>
@@ -4951,7 +4937,7 @@
         </p:nvSpPr>
         <p:spPr>
           <a:xfrm>
-            <a:off x="7282832" y="4739476"/>
+            <a:off x="6463025" y="4739476"/>
             <a:ext cx="319751" cy="1849493"/>
           </a:xfrm>
           <a:prstGeom prst="rect">
@@ -4984,13 +4970,71 @@
       </p:sp>
       <p:sp>
         <p:nvSpPr>
-          <p:cNvPr id="44" name="Rectangle 43"/>
+          <p:cNvPr id="45" name="Right Arrow 44"/>
           <p:cNvSpPr/>
           <p:nvPr/>
         </p:nvSpPr>
         <p:spPr>
           <a:xfrm>
-            <a:off x="6655815" y="4989292"/>
+            <a:off x="6808931" y="4378162"/>
+            <a:ext cx="2692641" cy="1376747"/>
+          </a:xfrm>
+          <a:prstGeom prst="rightArrow">
+            <a:avLst/>
+          </a:prstGeom>
+        </p:spPr>
+        <p:style>
+          <a:lnRef idx="0">
+            <a:schemeClr val="accent3"/>
+          </a:lnRef>
+          <a:fillRef idx="3">
+            <a:schemeClr val="accent3"/>
+          </a:fillRef>
+          <a:effectRef idx="3">
+            <a:schemeClr val="accent3"/>
+          </a:effectRef>
+          <a:fontRef idx="minor">
+            <a:schemeClr val="lt1"/>
+          </a:fontRef>
+        </p:style>
+        <p:txBody>
+          <a:bodyPr rtlCol="0" anchor="ctr"/>
+          <a:lstStyle/>
+          <a:p>
+            <a:pPr algn="ctr"/>
+            <a:r>
+              <a:rPr lang="en-US" dirty="0" err="1" smtClean="0"/>
+              <a:t>igroup</a:t>
+            </a:r>
+            <a:r>
+              <a:rPr lang="en-US" dirty="0" smtClean="0"/>
+              <a:t> to reorder </a:t>
+            </a:r>
+            <a:r>
+              <a:rPr lang="en-US" dirty="0" err="1" smtClean="0"/>
+              <a:t>ikey</a:t>
+            </a:r>
+            <a:endParaRPr lang="en-US" dirty="0" smtClean="0"/>
+          </a:p>
+          <a:p>
+            <a:pPr algn="ctr"/>
+            <a:r>
+              <a:rPr lang="en-US" dirty="0" smtClean="0"/>
+              <a:t> to ‘sort’ groups</a:t>
+            </a:r>
+            <a:endParaRPr lang="en-US" dirty="0"/>
+          </a:p>
+        </p:txBody>
+      </p:sp>
+      <p:sp>
+        <p:nvSpPr>
+          <p:cNvPr id="46" name="Rectangle 45"/>
+          <p:cNvSpPr/>
+          <p:nvPr/>
+        </p:nvSpPr>
+        <p:spPr>
+          <a:xfrm>
+            <a:off x="9500527" y="4734218"/>
             <a:ext cx="319751" cy="1849493"/>
           </a:xfrm>
           <a:prstGeom prst="rect">
@@ -5023,16 +5067,55 @@
       </p:sp>
       <p:sp>
         <p:nvSpPr>
-          <p:cNvPr id="45" name="Right Arrow 44"/>
+          <p:cNvPr id="47" name="Rectangle 46"/>
           <p:cNvSpPr/>
           <p:nvPr/>
         </p:nvSpPr>
         <p:spPr>
           <a:xfrm>
-            <a:off x="7577174" y="4830908"/>
-            <a:ext cx="2692641" cy="1376747"/>
-          </a:xfrm>
-          <a:prstGeom prst="rightArrow">
+            <a:off x="6005951" y="4458301"/>
+            <a:ext cx="319751" cy="448524"/>
+          </a:xfrm>
+          <a:prstGeom prst="rect">
+            <a:avLst/>
+          </a:prstGeom>
+          <a:ln w="88900"/>
+        </p:spPr>
+        <p:style>
+          <a:lnRef idx="1">
+            <a:schemeClr val="accent3"/>
+          </a:lnRef>
+          <a:fillRef idx="2">
+            <a:schemeClr val="accent3"/>
+          </a:fillRef>
+          <a:effectRef idx="1">
+            <a:schemeClr val="accent3"/>
+          </a:effectRef>
+          <a:fontRef idx="minor">
+            <a:schemeClr val="dk1"/>
+          </a:fontRef>
+        </p:style>
+        <p:txBody>
+          <a:bodyPr rtlCol="0" anchor="ctr"/>
+          <a:lstStyle/>
+          <a:p>
+            <a:pPr algn="ctr"/>
+            <a:endParaRPr lang="en-US"/>
+          </a:p>
+        </p:txBody>
+      </p:sp>
+      <p:sp>
+        <p:nvSpPr>
+          <p:cNvPr id="48" name="Left Arrow 47"/>
+          <p:cNvSpPr/>
+          <p:nvPr/>
+        </p:nvSpPr>
+        <p:spPr>
+          <a:xfrm>
+            <a:off x="3572338" y="3166859"/>
+            <a:ext cx="790738" cy="309438"/>
+          </a:xfrm>
+          <a:prstGeom prst="leftArrow">
             <a:avLst/>
           </a:prstGeom>
         </p:spPr>
@@ -5057,56 +5140,39 @@
             <a:pPr algn="ctr"/>
             <a:r>
               <a:rPr lang="en-US" dirty="0" err="1" smtClean="0"/>
-              <a:t>igroup</a:t>
-            </a:r>
-            <a:r>
-              <a:rPr lang="en-US" dirty="0" smtClean="0"/>
-              <a:t> to reorder </a:t>
-            </a:r>
-            <a:r>
-              <a:rPr lang="en-US" dirty="0" err="1" smtClean="0"/>
               <a:t>ikey</a:t>
             </a:r>
-            <a:endParaRPr lang="en-US" dirty="0" smtClean="0"/>
-          </a:p>
-          <a:p>
-            <a:pPr algn="ctr"/>
-            <a:r>
-              <a:rPr lang="en-US" dirty="0" smtClean="0"/>
-              <a:t> to ‘sort’ groups</a:t>
-            </a:r>
             <a:endParaRPr lang="en-US" dirty="0"/>
           </a:p>
         </p:txBody>
       </p:sp>
       <p:sp>
         <p:nvSpPr>
-          <p:cNvPr id="46" name="Rectangle 45"/>
+          <p:cNvPr id="49" name="Left Arrow 48"/>
           <p:cNvSpPr/>
           <p:nvPr/>
         </p:nvSpPr>
         <p:spPr>
           <a:xfrm>
-            <a:off x="10320334" y="4734218"/>
-            <a:ext cx="319751" cy="1849493"/>
-          </a:xfrm>
-          <a:prstGeom prst="rect">
+            <a:off x="6806914" y="5565854"/>
+            <a:ext cx="2643094" cy="921655"/>
+          </a:xfrm>
+          <a:prstGeom prst="leftArrow">
             <a:avLst/>
           </a:prstGeom>
-          <a:ln w="88900"/>
         </p:spPr>
         <p:style>
-          <a:lnRef idx="1">
+          <a:lnRef idx="0">
             <a:schemeClr val="accent3"/>
           </a:lnRef>
-          <a:fillRef idx="2">
+          <a:fillRef idx="3">
             <a:schemeClr val="accent3"/>
           </a:fillRef>
-          <a:effectRef idx="1">
+          <a:effectRef idx="3">
             <a:schemeClr val="accent3"/>
           </a:effectRef>
           <a:fontRef idx="minor">
-            <a:schemeClr val="dk1"/>
+            <a:schemeClr val="lt1"/>
           </a:fontRef>
         </p:style>
         <p:txBody>
@@ -5114,7 +5180,23 @@
           <a:lstStyle/>
           <a:p>
             <a:pPr algn="ctr"/>
-            <a:endParaRPr lang="en-US"/>
+            <a:r>
+              <a:rPr lang="en-US" dirty="0" err="1"/>
+              <a:t>i</a:t>
+            </a:r>
+            <a:r>
+              <a:rPr lang="en-US" dirty="0" err="1" smtClean="0"/>
+              <a:t>groupreverse</a:t>
+            </a:r>
+            <a:endParaRPr lang="en-US" dirty="0" smtClean="0"/>
+          </a:p>
+          <a:p>
+            <a:pPr algn="ctr"/>
+            <a:r>
+              <a:rPr lang="en-US" dirty="0" smtClean="0"/>
+              <a:t>to go back</a:t>
+            </a:r>
+            <a:endParaRPr lang="en-US" dirty="0"/>
           </a:p>
         </p:txBody>
       </p:sp>
